--- a/assets/graphs.pptx
+++ b/assets/graphs.pptx
@@ -7,6 +7,7 @@
   <p:sldIdLst>
     <p:sldId id="256" r:id="rId2"/>
     <p:sldId id="257" r:id="rId3"/>
+    <p:sldId id="258" r:id="rId4"/>
   </p:sldIdLst>
   <p:sldSz cx="12192000" cy="6858000"/>
   <p:notesSz cx="6858000" cy="9144000"/>
@@ -105,6 +106,11 @@
       </a:defRPr>
     </a:lvl9pPr>
   </p:defaultTextStyle>
+  <p:extLst>
+    <p:ext uri="{EFAFB233-063F-42B5-8137-9DF3F51BA10A}">
+      <p15:sldGuideLst xmlns:p15="http://schemas.microsoft.com/office/powerpoint/2012/main"/>
+    </p:ext>
+  </p:extLst>
 </p:presentation>
 </file>
 
@@ -4910,6 +4916,1402 @@
 </p:sld>
 </file>
 
+<file path=ppt/slides/slide3.xml><?xml version="1.0" encoding="utf-8"?>
+<p:sld xmlns:a="http://schemas.openxmlformats.org/drawingml/2006/main" xmlns:r="http://schemas.openxmlformats.org/officeDocument/2006/relationships" xmlns:p="http://schemas.openxmlformats.org/presentationml/2006/main">
+  <p:cSld>
+    <p:spTree>
+      <p:nvGrpSpPr>
+        <p:cNvPr id="1" name=""/>
+        <p:cNvGrpSpPr/>
+        <p:nvPr/>
+      </p:nvGrpSpPr>
+      <p:grpSpPr>
+        <a:xfrm>
+          <a:off x="0" y="0"/>
+          <a:ext cx="0" cy="0"/>
+          <a:chOff x="0" y="0"/>
+          <a:chExt cx="0" cy="0"/>
+        </a:xfrm>
+      </p:grpSpPr>
+      <p:grpSp>
+        <p:nvGrpSpPr>
+          <p:cNvPr id="128" name="组合 127"/>
+          <p:cNvGrpSpPr/>
+          <p:nvPr/>
+        </p:nvGrpSpPr>
+        <p:grpSpPr>
+          <a:xfrm>
+            <a:off x="895737" y="783771"/>
+            <a:ext cx="7170012" cy="5453753"/>
+            <a:chOff x="895737" y="783771"/>
+            <a:chExt cx="7170012" cy="5453753"/>
+          </a:xfrm>
+        </p:grpSpPr>
+        <p:sp>
+          <p:nvSpPr>
+            <p:cNvPr id="4" name="流程图: 决策 3"/>
+            <p:cNvSpPr/>
+            <p:nvPr/>
+          </p:nvSpPr>
+          <p:spPr>
+            <a:xfrm>
+              <a:off x="895737" y="783771"/>
+              <a:ext cx="2425959" cy="737118"/>
+            </a:xfrm>
+            <a:prstGeom prst="flowChartDecision">
+              <a:avLst/>
+            </a:prstGeom>
+            <a:noFill/>
+            <a:ln>
+              <a:solidFill>
+                <a:schemeClr val="tx1"/>
+              </a:solidFill>
+            </a:ln>
+          </p:spPr>
+          <p:style>
+            <a:lnRef idx="2">
+              <a:schemeClr val="accent1">
+                <a:shade val="50000"/>
+              </a:schemeClr>
+            </a:lnRef>
+            <a:fillRef idx="1">
+              <a:schemeClr val="accent1"/>
+            </a:fillRef>
+            <a:effectRef idx="0">
+              <a:schemeClr val="accent1"/>
+            </a:effectRef>
+            <a:fontRef idx="minor">
+              <a:schemeClr val="lt1"/>
+            </a:fontRef>
+          </p:style>
+          <p:txBody>
+            <a:bodyPr rtlCol="0" anchor="ctr"/>
+            <a:lstStyle/>
+            <a:p>
+              <a:pPr algn="ctr"/>
+              <a:r>
+                <a:rPr lang="zh-CN" altLang="en-US" sz="1200" dirty="0" smtClean="0">
+                  <a:solidFill>
+                    <a:schemeClr val="tx1"/>
+                  </a:solidFill>
+                </a:rPr>
+                <a:t>是新项目吗？</a:t>
+              </a:r>
+              <a:endParaRPr lang="zh-CN" altLang="en-US" sz="1200" dirty="0">
+                <a:solidFill>
+                  <a:schemeClr val="tx1"/>
+                </a:solidFill>
+              </a:endParaRPr>
+            </a:p>
+          </p:txBody>
+        </p:sp>
+        <p:pic>
+          <p:nvPicPr>
+            <p:cNvPr id="7" name="图片 6"/>
+            <p:cNvPicPr>
+              <a:picLocks noChangeAspect="1"/>
+            </p:cNvPicPr>
+            <p:nvPr/>
+          </p:nvPicPr>
+          <p:blipFill>
+            <a:blip r:embed="rId2"/>
+            <a:stretch>
+              <a:fillRect/>
+            </a:stretch>
+          </p:blipFill>
+          <p:spPr>
+            <a:xfrm>
+              <a:off x="1442046" y="5388773"/>
+              <a:ext cx="1333333" cy="380952"/>
+            </a:xfrm>
+            <a:prstGeom prst="rect">
+              <a:avLst/>
+            </a:prstGeom>
+          </p:spPr>
+        </p:pic>
+        <p:sp>
+          <p:nvSpPr>
+            <p:cNvPr id="9" name="流程图: 决策 8"/>
+            <p:cNvSpPr/>
+            <p:nvPr/>
+          </p:nvSpPr>
+          <p:spPr>
+            <a:xfrm>
+              <a:off x="2775379" y="2265197"/>
+              <a:ext cx="2425959" cy="737118"/>
+            </a:xfrm>
+            <a:prstGeom prst="flowChartDecision">
+              <a:avLst/>
+            </a:prstGeom>
+            <a:noFill/>
+            <a:ln>
+              <a:solidFill>
+                <a:schemeClr val="tx1"/>
+              </a:solidFill>
+            </a:ln>
+          </p:spPr>
+          <p:style>
+            <a:lnRef idx="2">
+              <a:schemeClr val="accent1">
+                <a:shade val="50000"/>
+              </a:schemeClr>
+            </a:lnRef>
+            <a:fillRef idx="1">
+              <a:schemeClr val="accent1"/>
+            </a:fillRef>
+            <a:effectRef idx="0">
+              <a:schemeClr val="accent1"/>
+            </a:effectRef>
+            <a:fontRef idx="minor">
+              <a:schemeClr val="lt1"/>
+            </a:fontRef>
+          </p:style>
+          <p:txBody>
+            <a:bodyPr rtlCol="0" anchor="ctr"/>
+            <a:lstStyle/>
+            <a:p>
+              <a:pPr algn="ctr"/>
+              <a:r>
+                <a:rPr lang="zh-CN" altLang="en-US" sz="1200" dirty="0" smtClean="0">
+                  <a:solidFill>
+                    <a:schemeClr val="tx1"/>
+                  </a:solidFill>
+                </a:rPr>
+                <a:t>正在使用 </a:t>
+              </a:r>
+              <a:r>
+                <a:rPr lang="en-US" altLang="zh-CN" sz="1200" dirty="0" err="1" smtClean="0">
+                  <a:solidFill>
+                    <a:schemeClr val="tx1"/>
+                  </a:solidFill>
+                </a:rPr>
+                <a:t>TSLint</a:t>
+              </a:r>
+              <a:r>
+                <a:rPr lang="en-US" altLang="zh-CN" sz="1200" dirty="0" smtClean="0">
+                  <a:solidFill>
+                    <a:schemeClr val="tx1"/>
+                  </a:solidFill>
+                </a:rPr>
+                <a:t> </a:t>
+              </a:r>
+              <a:r>
+                <a:rPr lang="zh-CN" altLang="en-US" sz="1200" dirty="0" smtClean="0">
+                  <a:solidFill>
+                    <a:schemeClr val="tx1"/>
+                  </a:solidFill>
+                </a:rPr>
+                <a:t>吗？</a:t>
+              </a:r>
+              <a:endParaRPr lang="zh-CN" altLang="en-US" sz="1200" dirty="0">
+                <a:solidFill>
+                  <a:schemeClr val="tx1"/>
+                </a:solidFill>
+              </a:endParaRPr>
+            </a:p>
+          </p:txBody>
+        </p:sp>
+        <p:sp>
+          <p:nvSpPr>
+            <p:cNvPr id="10" name="流程图: 决策 9"/>
+            <p:cNvSpPr/>
+            <p:nvPr/>
+          </p:nvSpPr>
+          <p:spPr>
+            <a:xfrm>
+              <a:off x="4623634" y="1520889"/>
+              <a:ext cx="2425959" cy="737118"/>
+            </a:xfrm>
+            <a:prstGeom prst="flowChartDecision">
+              <a:avLst/>
+            </a:prstGeom>
+            <a:noFill/>
+            <a:ln>
+              <a:solidFill>
+                <a:schemeClr val="tx1"/>
+              </a:solidFill>
+            </a:ln>
+          </p:spPr>
+          <p:style>
+            <a:lnRef idx="2">
+              <a:schemeClr val="accent1">
+                <a:shade val="50000"/>
+              </a:schemeClr>
+            </a:lnRef>
+            <a:fillRef idx="1">
+              <a:schemeClr val="accent1"/>
+            </a:fillRef>
+            <a:effectRef idx="0">
+              <a:schemeClr val="accent1"/>
+            </a:effectRef>
+            <a:fontRef idx="minor">
+              <a:schemeClr val="lt1"/>
+            </a:fontRef>
+          </p:style>
+          <p:txBody>
+            <a:bodyPr rtlCol="0" anchor="ctr"/>
+            <a:lstStyle/>
+            <a:p>
+              <a:pPr algn="ctr"/>
+              <a:r>
+                <a:rPr lang="zh-CN" altLang="en-US" sz="1200" dirty="0" smtClean="0">
+                  <a:solidFill>
+                    <a:schemeClr val="tx1"/>
+                  </a:solidFill>
+                </a:rPr>
+                <a:t>正在使用 </a:t>
+              </a:r>
+              <a:r>
+                <a:rPr lang="en-US" altLang="zh-CN" sz="1200" dirty="0" err="1" smtClean="0">
+                  <a:solidFill>
+                    <a:schemeClr val="tx1"/>
+                  </a:solidFill>
+                </a:rPr>
+                <a:t>ESLint</a:t>
+              </a:r>
+              <a:r>
+                <a:rPr lang="en-US" altLang="zh-CN" sz="1200" dirty="0" smtClean="0">
+                  <a:solidFill>
+                    <a:schemeClr val="tx1"/>
+                  </a:solidFill>
+                </a:rPr>
+                <a:t> </a:t>
+              </a:r>
+              <a:r>
+                <a:rPr lang="zh-CN" altLang="en-US" sz="1200" dirty="0" smtClean="0">
+                  <a:solidFill>
+                    <a:schemeClr val="tx1"/>
+                  </a:solidFill>
+                </a:rPr>
+                <a:t>吗？</a:t>
+              </a:r>
+              <a:endParaRPr lang="zh-CN" altLang="en-US" sz="1200" dirty="0">
+                <a:solidFill>
+                  <a:schemeClr val="tx1"/>
+                </a:solidFill>
+              </a:endParaRPr>
+            </a:p>
+          </p:txBody>
+        </p:sp>
+        <p:pic>
+          <p:nvPicPr>
+            <p:cNvPr id="11" name="图片 10"/>
+            <p:cNvPicPr>
+              <a:picLocks noChangeAspect="1"/>
+            </p:cNvPicPr>
+            <p:nvPr/>
+          </p:nvPicPr>
+          <p:blipFill>
+            <a:blip r:embed="rId3"/>
+            <a:stretch>
+              <a:fillRect/>
+            </a:stretch>
+          </p:blipFill>
+          <p:spPr>
+            <a:xfrm>
+              <a:off x="3352358" y="3371860"/>
+              <a:ext cx="1271999" cy="381600"/>
+            </a:xfrm>
+            <a:prstGeom prst="rect">
+              <a:avLst/>
+            </a:prstGeom>
+          </p:spPr>
+        </p:pic>
+        <p:sp>
+          <p:nvSpPr>
+            <p:cNvPr id="12" name="流程图: 决策 11"/>
+            <p:cNvSpPr/>
+            <p:nvPr/>
+          </p:nvSpPr>
+          <p:spPr>
+            <a:xfrm>
+              <a:off x="4358735" y="4122069"/>
+              <a:ext cx="2955757" cy="898095"/>
+            </a:xfrm>
+            <a:prstGeom prst="flowChartDecision">
+              <a:avLst/>
+            </a:prstGeom>
+            <a:noFill/>
+            <a:ln>
+              <a:solidFill>
+                <a:schemeClr val="tx1"/>
+              </a:solidFill>
+            </a:ln>
+          </p:spPr>
+          <p:style>
+            <a:lnRef idx="2">
+              <a:schemeClr val="accent1">
+                <a:shade val="50000"/>
+              </a:schemeClr>
+            </a:lnRef>
+            <a:fillRef idx="1">
+              <a:schemeClr val="accent1"/>
+            </a:fillRef>
+            <a:effectRef idx="0">
+              <a:schemeClr val="accent1"/>
+            </a:effectRef>
+            <a:fontRef idx="minor">
+              <a:schemeClr val="lt1"/>
+            </a:fontRef>
+          </p:style>
+          <p:txBody>
+            <a:bodyPr rtlCol="0" anchor="ctr"/>
+            <a:lstStyle/>
+            <a:p>
+              <a:pPr algn="ctr"/>
+              <a:r>
+                <a:rPr lang="zh-CN" altLang="en-US" sz="1200" dirty="0" smtClean="0">
+                  <a:solidFill>
+                    <a:schemeClr val="tx1"/>
+                  </a:solidFill>
+                </a:rPr>
+                <a:t>将会长时间处于 </a:t>
+              </a:r>
+              <a:r>
+                <a:rPr lang="en-US" altLang="zh-CN" sz="1200" dirty="0" err="1" smtClean="0">
+                  <a:solidFill>
+                    <a:schemeClr val="tx1"/>
+                  </a:solidFill>
+                </a:rPr>
+                <a:t>js</a:t>
+              </a:r>
+              <a:r>
+                <a:rPr lang="en-US" altLang="zh-CN" sz="1200" dirty="0" smtClean="0">
+                  <a:solidFill>
+                    <a:schemeClr val="tx1"/>
+                  </a:solidFill>
+                </a:rPr>
+                <a:t> </a:t>
+              </a:r>
+              <a:r>
+                <a:rPr lang="zh-CN" altLang="en-US" sz="1200" dirty="0" smtClean="0">
+                  <a:solidFill>
+                    <a:schemeClr val="tx1"/>
+                  </a:solidFill>
+                </a:rPr>
+                <a:t>与 </a:t>
+              </a:r>
+              <a:r>
+                <a:rPr lang="en-US" altLang="zh-CN" sz="1200" dirty="0" err="1" smtClean="0">
+                  <a:solidFill>
+                    <a:schemeClr val="tx1"/>
+                  </a:solidFill>
+                </a:rPr>
+                <a:t>ts</a:t>
+              </a:r>
+              <a:r>
+                <a:rPr lang="en-US" altLang="zh-CN" sz="1200" dirty="0" smtClean="0">
+                  <a:solidFill>
+                    <a:schemeClr val="tx1"/>
+                  </a:solidFill>
+                </a:rPr>
+                <a:t> </a:t>
+              </a:r>
+              <a:r>
+                <a:rPr lang="zh-CN" altLang="en-US" sz="1200" dirty="0" smtClean="0">
+                  <a:solidFill>
+                    <a:schemeClr val="tx1"/>
+                  </a:solidFill>
+                </a:rPr>
+                <a:t>共存的状态吗？</a:t>
+              </a:r>
+              <a:endParaRPr lang="zh-CN" altLang="en-US" sz="1200" dirty="0">
+                <a:solidFill>
+                  <a:schemeClr val="tx1"/>
+                </a:solidFill>
+              </a:endParaRPr>
+            </a:p>
+          </p:txBody>
+        </p:sp>
+        <p:cxnSp>
+          <p:nvCxnSpPr>
+            <p:cNvPr id="14" name="直接箭头连接符 13"/>
+            <p:cNvCxnSpPr>
+              <a:stCxn id="4" idx="2"/>
+              <a:endCxn id="7" idx="0"/>
+            </p:cNvCxnSpPr>
+            <p:nvPr/>
+          </p:nvCxnSpPr>
+          <p:spPr>
+            <a:xfrm flipH="1">
+              <a:off x="2108713" y="1520889"/>
+              <a:ext cx="4" cy="3867884"/>
+            </a:xfrm>
+            <a:prstGeom prst="straightConnector1">
+              <a:avLst/>
+            </a:prstGeom>
+            <a:ln>
+              <a:solidFill>
+                <a:schemeClr val="tx1"/>
+              </a:solidFill>
+              <a:tailEnd type="triangle"/>
+            </a:ln>
+          </p:spPr>
+          <p:style>
+            <a:lnRef idx="1">
+              <a:schemeClr val="accent1"/>
+            </a:lnRef>
+            <a:fillRef idx="0">
+              <a:schemeClr val="accent1"/>
+            </a:fillRef>
+            <a:effectRef idx="0">
+              <a:schemeClr val="accent1"/>
+            </a:effectRef>
+            <a:fontRef idx="minor">
+              <a:schemeClr val="tx1"/>
+            </a:fontRef>
+          </p:style>
+        </p:cxnSp>
+        <p:cxnSp>
+          <p:nvCxnSpPr>
+            <p:cNvPr id="16" name="肘形连接符 15"/>
+            <p:cNvCxnSpPr>
+              <a:stCxn id="4" idx="3"/>
+              <a:endCxn id="10" idx="0"/>
+            </p:cNvCxnSpPr>
+            <p:nvPr/>
+          </p:nvCxnSpPr>
+          <p:spPr>
+            <a:xfrm>
+              <a:off x="3321696" y="1152330"/>
+              <a:ext cx="2514918" cy="368559"/>
+            </a:xfrm>
+            <a:prstGeom prst="bentConnector2">
+              <a:avLst/>
+            </a:prstGeom>
+            <a:ln>
+              <a:solidFill>
+                <a:schemeClr val="tx1"/>
+              </a:solidFill>
+              <a:tailEnd type="triangle"/>
+            </a:ln>
+          </p:spPr>
+          <p:style>
+            <a:lnRef idx="1">
+              <a:schemeClr val="accent1"/>
+            </a:lnRef>
+            <a:fillRef idx="0">
+              <a:schemeClr val="accent1"/>
+            </a:fillRef>
+            <a:effectRef idx="0">
+              <a:schemeClr val="accent1"/>
+            </a:effectRef>
+            <a:fontRef idx="minor">
+              <a:schemeClr val="tx1"/>
+            </a:fontRef>
+          </p:style>
+        </p:cxnSp>
+        <p:cxnSp>
+          <p:nvCxnSpPr>
+            <p:cNvPr id="18" name="直接箭头连接符 17"/>
+            <p:cNvCxnSpPr>
+              <a:stCxn id="10" idx="2"/>
+              <a:endCxn id="12" idx="0"/>
+            </p:cNvCxnSpPr>
+            <p:nvPr/>
+          </p:nvCxnSpPr>
+          <p:spPr>
+            <a:xfrm>
+              <a:off x="5836614" y="2258007"/>
+              <a:ext cx="0" cy="1864062"/>
+            </a:xfrm>
+            <a:prstGeom prst="straightConnector1">
+              <a:avLst/>
+            </a:prstGeom>
+            <a:ln>
+              <a:solidFill>
+                <a:schemeClr val="tx1"/>
+              </a:solidFill>
+              <a:tailEnd type="triangle"/>
+            </a:ln>
+          </p:spPr>
+          <p:style>
+            <a:lnRef idx="1">
+              <a:schemeClr val="accent1"/>
+            </a:lnRef>
+            <a:fillRef idx="0">
+              <a:schemeClr val="accent1"/>
+            </a:fillRef>
+            <a:effectRef idx="0">
+              <a:schemeClr val="accent1"/>
+            </a:effectRef>
+            <a:fontRef idx="minor">
+              <a:schemeClr val="tx1"/>
+            </a:fontRef>
+          </p:style>
+        </p:cxnSp>
+        <p:cxnSp>
+          <p:nvCxnSpPr>
+            <p:cNvPr id="29" name="肘形连接符 28"/>
+            <p:cNvCxnSpPr>
+              <a:stCxn id="10" idx="1"/>
+              <a:endCxn id="9" idx="0"/>
+            </p:cNvCxnSpPr>
+            <p:nvPr/>
+          </p:nvCxnSpPr>
+          <p:spPr>
+            <a:xfrm rot="10800000" flipV="1">
+              <a:off x="3988360" y="1889447"/>
+              <a:ext cx="635275" cy="375749"/>
+            </a:xfrm>
+            <a:prstGeom prst="bentConnector2">
+              <a:avLst/>
+            </a:prstGeom>
+            <a:ln>
+              <a:solidFill>
+                <a:schemeClr val="tx1"/>
+              </a:solidFill>
+              <a:tailEnd type="triangle"/>
+            </a:ln>
+          </p:spPr>
+          <p:style>
+            <a:lnRef idx="1">
+              <a:schemeClr val="accent1"/>
+            </a:lnRef>
+            <a:fillRef idx="0">
+              <a:schemeClr val="accent1"/>
+            </a:fillRef>
+            <a:effectRef idx="0">
+              <a:schemeClr val="accent1"/>
+            </a:effectRef>
+            <a:fontRef idx="minor">
+              <a:schemeClr val="tx1"/>
+            </a:fontRef>
+          </p:style>
+        </p:cxnSp>
+        <p:cxnSp>
+          <p:nvCxnSpPr>
+            <p:cNvPr id="31" name="直接箭头连接符 30"/>
+            <p:cNvCxnSpPr>
+              <a:stCxn id="9" idx="2"/>
+              <a:endCxn id="11" idx="0"/>
+            </p:cNvCxnSpPr>
+            <p:nvPr/>
+          </p:nvCxnSpPr>
+          <p:spPr>
+            <a:xfrm flipH="1">
+              <a:off x="3988358" y="3002315"/>
+              <a:ext cx="1" cy="369545"/>
+            </a:xfrm>
+            <a:prstGeom prst="straightConnector1">
+              <a:avLst/>
+            </a:prstGeom>
+            <a:ln>
+              <a:solidFill>
+                <a:schemeClr val="tx1"/>
+              </a:solidFill>
+              <a:tailEnd type="triangle"/>
+            </a:ln>
+          </p:spPr>
+          <p:style>
+            <a:lnRef idx="1">
+              <a:schemeClr val="accent1"/>
+            </a:lnRef>
+            <a:fillRef idx="0">
+              <a:schemeClr val="accent1"/>
+            </a:fillRef>
+            <a:effectRef idx="0">
+              <a:schemeClr val="accent1"/>
+            </a:effectRef>
+            <a:fontRef idx="minor">
+              <a:schemeClr val="tx1"/>
+            </a:fontRef>
+          </p:style>
+        </p:cxnSp>
+        <p:cxnSp>
+          <p:nvCxnSpPr>
+            <p:cNvPr id="83" name="直接箭头连接符 82"/>
+            <p:cNvCxnSpPr>
+              <a:stCxn id="12" idx="1"/>
+            </p:cNvCxnSpPr>
+            <p:nvPr/>
+          </p:nvCxnSpPr>
+          <p:spPr>
+            <a:xfrm flipH="1" flipV="1">
+              <a:off x="2108713" y="4571116"/>
+              <a:ext cx="2250022" cy="1"/>
+            </a:xfrm>
+            <a:prstGeom prst="straightConnector1">
+              <a:avLst/>
+            </a:prstGeom>
+            <a:ln>
+              <a:solidFill>
+                <a:schemeClr val="tx1"/>
+              </a:solidFill>
+              <a:tailEnd type="triangle"/>
+            </a:ln>
+          </p:spPr>
+          <p:style>
+            <a:lnRef idx="1">
+              <a:schemeClr val="accent1"/>
+            </a:lnRef>
+            <a:fillRef idx="0">
+              <a:schemeClr val="accent1"/>
+            </a:fillRef>
+            <a:effectRef idx="0">
+              <a:schemeClr val="accent1"/>
+            </a:effectRef>
+            <a:fontRef idx="minor">
+              <a:schemeClr val="tx1"/>
+            </a:fontRef>
+          </p:style>
+        </p:cxnSp>
+        <p:cxnSp>
+          <p:nvCxnSpPr>
+            <p:cNvPr id="87" name="直接箭头连接符 86"/>
+            <p:cNvCxnSpPr>
+              <a:stCxn id="9" idx="1"/>
+            </p:cNvCxnSpPr>
+            <p:nvPr/>
+          </p:nvCxnSpPr>
+          <p:spPr>
+            <a:xfrm flipH="1">
+              <a:off x="2108713" y="2633756"/>
+              <a:ext cx="666666" cy="0"/>
+            </a:xfrm>
+            <a:prstGeom prst="straightConnector1">
+              <a:avLst/>
+            </a:prstGeom>
+            <a:ln>
+              <a:solidFill>
+                <a:schemeClr val="tx1"/>
+              </a:solidFill>
+              <a:tailEnd type="triangle"/>
+            </a:ln>
+          </p:spPr>
+          <p:style>
+            <a:lnRef idx="1">
+              <a:schemeClr val="accent1"/>
+            </a:lnRef>
+            <a:fillRef idx="0">
+              <a:schemeClr val="accent1"/>
+            </a:fillRef>
+            <a:effectRef idx="0">
+              <a:schemeClr val="accent1"/>
+            </a:effectRef>
+            <a:fontRef idx="minor">
+              <a:schemeClr val="tx1"/>
+            </a:fontRef>
+          </p:style>
+        </p:cxnSp>
+        <p:sp>
+          <p:nvSpPr>
+            <p:cNvPr id="89" name="文本框 88"/>
+            <p:cNvSpPr txBox="1"/>
+            <p:nvPr/>
+          </p:nvSpPr>
+          <p:spPr>
+            <a:xfrm>
+              <a:off x="4409878" y="875330"/>
+              <a:ext cx="338554" cy="276999"/>
+            </a:xfrm>
+            <a:prstGeom prst="rect">
+              <a:avLst/>
+            </a:prstGeom>
+            <a:noFill/>
+          </p:spPr>
+          <p:txBody>
+            <a:bodyPr wrap="none" rtlCol="0">
+              <a:spAutoFit/>
+            </a:bodyPr>
+            <a:lstStyle/>
+            <a:p>
+              <a:r>
+                <a:rPr lang="zh-CN" altLang="en-US" sz="1200" dirty="0" smtClean="0">
+                  <a:solidFill>
+                    <a:srgbClr val="FF0000"/>
+                  </a:solidFill>
+                </a:rPr>
+                <a:t>否</a:t>
+              </a:r>
+              <a:endParaRPr lang="zh-CN" altLang="en-US" sz="1200" dirty="0">
+                <a:solidFill>
+                  <a:srgbClr val="FF0000"/>
+                </a:solidFill>
+              </a:endParaRPr>
+            </a:p>
+          </p:txBody>
+        </p:sp>
+        <p:sp>
+          <p:nvSpPr>
+            <p:cNvPr id="91" name="文本框 90"/>
+            <p:cNvSpPr txBox="1"/>
+            <p:nvPr/>
+          </p:nvSpPr>
+          <p:spPr>
+            <a:xfrm>
+              <a:off x="2272769" y="2360175"/>
+              <a:ext cx="338554" cy="276999"/>
+            </a:xfrm>
+            <a:prstGeom prst="rect">
+              <a:avLst/>
+            </a:prstGeom>
+            <a:noFill/>
+          </p:spPr>
+          <p:txBody>
+            <a:bodyPr wrap="none" rtlCol="0">
+              <a:spAutoFit/>
+            </a:bodyPr>
+            <a:lstStyle/>
+            <a:p>
+              <a:r>
+                <a:rPr lang="zh-CN" altLang="en-US" sz="1200" dirty="0" smtClean="0">
+                  <a:solidFill>
+                    <a:srgbClr val="FF0000"/>
+                  </a:solidFill>
+                </a:rPr>
+                <a:t>否</a:t>
+              </a:r>
+              <a:endParaRPr lang="zh-CN" altLang="en-US" sz="1200" dirty="0">
+                <a:solidFill>
+                  <a:srgbClr val="FF0000"/>
+                </a:solidFill>
+              </a:endParaRPr>
+            </a:p>
+          </p:txBody>
+        </p:sp>
+        <p:sp>
+          <p:nvSpPr>
+            <p:cNvPr id="92" name="文本框 91"/>
+            <p:cNvSpPr txBox="1"/>
+            <p:nvPr/>
+          </p:nvSpPr>
+          <p:spPr>
+            <a:xfrm>
+              <a:off x="4136720" y="1613435"/>
+              <a:ext cx="338554" cy="276999"/>
+            </a:xfrm>
+            <a:prstGeom prst="rect">
+              <a:avLst/>
+            </a:prstGeom>
+            <a:noFill/>
+          </p:spPr>
+          <p:txBody>
+            <a:bodyPr wrap="none" rtlCol="0">
+              <a:spAutoFit/>
+            </a:bodyPr>
+            <a:lstStyle/>
+            <a:p>
+              <a:r>
+                <a:rPr lang="zh-CN" altLang="en-US" sz="1200" dirty="0" smtClean="0">
+                  <a:solidFill>
+                    <a:srgbClr val="FF0000"/>
+                  </a:solidFill>
+                </a:rPr>
+                <a:t>否</a:t>
+              </a:r>
+              <a:endParaRPr lang="zh-CN" altLang="en-US" sz="1200" dirty="0">
+                <a:solidFill>
+                  <a:srgbClr val="FF0000"/>
+                </a:solidFill>
+              </a:endParaRPr>
+            </a:p>
+          </p:txBody>
+        </p:sp>
+        <p:sp>
+          <p:nvSpPr>
+            <p:cNvPr id="94" name="文本框 93"/>
+            <p:cNvSpPr txBox="1"/>
+            <p:nvPr/>
+          </p:nvSpPr>
+          <p:spPr>
+            <a:xfrm>
+              <a:off x="3064449" y="4294117"/>
+              <a:ext cx="338554" cy="276999"/>
+            </a:xfrm>
+            <a:prstGeom prst="rect">
+              <a:avLst/>
+            </a:prstGeom>
+            <a:noFill/>
+          </p:spPr>
+          <p:txBody>
+            <a:bodyPr wrap="none" rtlCol="0">
+              <a:spAutoFit/>
+            </a:bodyPr>
+            <a:lstStyle/>
+            <a:p>
+              <a:r>
+                <a:rPr lang="zh-CN" altLang="en-US" sz="1200" dirty="0" smtClean="0">
+                  <a:solidFill>
+                    <a:srgbClr val="FF0000"/>
+                  </a:solidFill>
+                </a:rPr>
+                <a:t>否</a:t>
+              </a:r>
+              <a:endParaRPr lang="zh-CN" altLang="en-US" sz="1200" dirty="0">
+                <a:solidFill>
+                  <a:srgbClr val="FF0000"/>
+                </a:solidFill>
+              </a:endParaRPr>
+            </a:p>
+          </p:txBody>
+        </p:sp>
+        <p:sp>
+          <p:nvSpPr>
+            <p:cNvPr id="95" name="文本框 94"/>
+            <p:cNvSpPr txBox="1"/>
+            <p:nvPr/>
+          </p:nvSpPr>
+          <p:spPr>
+            <a:xfrm>
+              <a:off x="3988357" y="3048587"/>
+              <a:ext cx="338554" cy="276999"/>
+            </a:xfrm>
+            <a:prstGeom prst="rect">
+              <a:avLst/>
+            </a:prstGeom>
+            <a:noFill/>
+          </p:spPr>
+          <p:txBody>
+            <a:bodyPr wrap="none" rtlCol="0">
+              <a:spAutoFit/>
+            </a:bodyPr>
+            <a:lstStyle/>
+            <a:p>
+              <a:r>
+                <a:rPr lang="zh-CN" altLang="en-US" sz="1200" dirty="0" smtClean="0">
+                  <a:solidFill>
+                    <a:schemeClr val="accent6"/>
+                  </a:solidFill>
+                </a:rPr>
+                <a:t>是</a:t>
+              </a:r>
+              <a:endParaRPr lang="zh-CN" altLang="en-US" sz="1200" dirty="0">
+                <a:solidFill>
+                  <a:schemeClr val="accent6"/>
+                </a:solidFill>
+              </a:endParaRPr>
+            </a:p>
+          </p:txBody>
+        </p:sp>
+        <p:sp>
+          <p:nvSpPr>
+            <p:cNvPr id="96" name="文本框 95"/>
+            <p:cNvSpPr txBox="1"/>
+            <p:nvPr/>
+          </p:nvSpPr>
+          <p:spPr>
+            <a:xfrm>
+              <a:off x="5836613" y="5071779"/>
+              <a:ext cx="338554" cy="276999"/>
+            </a:xfrm>
+            <a:prstGeom prst="rect">
+              <a:avLst/>
+            </a:prstGeom>
+            <a:noFill/>
+          </p:spPr>
+          <p:txBody>
+            <a:bodyPr wrap="none" rtlCol="0">
+              <a:spAutoFit/>
+            </a:bodyPr>
+            <a:lstStyle/>
+            <a:p>
+              <a:r>
+                <a:rPr lang="zh-CN" altLang="en-US" sz="1200" dirty="0" smtClean="0">
+                  <a:solidFill>
+                    <a:schemeClr val="accent6"/>
+                  </a:solidFill>
+                </a:rPr>
+                <a:t>是</a:t>
+              </a:r>
+              <a:endParaRPr lang="zh-CN" altLang="en-US" sz="1200" dirty="0">
+                <a:solidFill>
+                  <a:schemeClr val="accent6"/>
+                </a:solidFill>
+              </a:endParaRPr>
+            </a:p>
+          </p:txBody>
+        </p:sp>
+        <p:sp>
+          <p:nvSpPr>
+            <p:cNvPr id="97" name="文本框 96"/>
+            <p:cNvSpPr txBox="1"/>
+            <p:nvPr/>
+          </p:nvSpPr>
+          <p:spPr>
+            <a:xfrm>
+              <a:off x="2108712" y="1528286"/>
+              <a:ext cx="338554" cy="276999"/>
+            </a:xfrm>
+            <a:prstGeom prst="rect">
+              <a:avLst/>
+            </a:prstGeom>
+            <a:noFill/>
+          </p:spPr>
+          <p:txBody>
+            <a:bodyPr wrap="none" rtlCol="0">
+              <a:spAutoFit/>
+            </a:bodyPr>
+            <a:lstStyle/>
+            <a:p>
+              <a:r>
+                <a:rPr lang="zh-CN" altLang="en-US" sz="1200" dirty="0" smtClean="0">
+                  <a:solidFill>
+                    <a:schemeClr val="accent6"/>
+                  </a:solidFill>
+                </a:rPr>
+                <a:t>是</a:t>
+              </a:r>
+              <a:endParaRPr lang="zh-CN" altLang="en-US" sz="1200" dirty="0">
+                <a:solidFill>
+                  <a:schemeClr val="accent6"/>
+                </a:solidFill>
+              </a:endParaRPr>
+            </a:p>
+          </p:txBody>
+        </p:sp>
+        <p:sp>
+          <p:nvSpPr>
+            <p:cNvPr id="98" name="文本框 97"/>
+            <p:cNvSpPr txBox="1"/>
+            <p:nvPr/>
+          </p:nvSpPr>
+          <p:spPr>
+            <a:xfrm>
+              <a:off x="5836613" y="3048587"/>
+              <a:ext cx="338554" cy="276999"/>
+            </a:xfrm>
+            <a:prstGeom prst="rect">
+              <a:avLst/>
+            </a:prstGeom>
+            <a:noFill/>
+          </p:spPr>
+          <p:txBody>
+            <a:bodyPr wrap="none" rtlCol="0">
+              <a:spAutoFit/>
+            </a:bodyPr>
+            <a:lstStyle/>
+            <a:p>
+              <a:r>
+                <a:rPr lang="zh-CN" altLang="en-US" sz="1200" dirty="0" smtClean="0">
+                  <a:solidFill>
+                    <a:schemeClr val="accent6"/>
+                  </a:solidFill>
+                </a:rPr>
+                <a:t>是</a:t>
+              </a:r>
+              <a:endParaRPr lang="zh-CN" altLang="en-US" sz="1200" dirty="0">
+                <a:solidFill>
+                  <a:schemeClr val="accent6"/>
+                </a:solidFill>
+              </a:endParaRPr>
+            </a:p>
+          </p:txBody>
+        </p:sp>
+        <p:grpSp>
+          <p:nvGrpSpPr>
+            <p:cNvPr id="47" name="组合 46"/>
+            <p:cNvGrpSpPr/>
+            <p:nvPr/>
+          </p:nvGrpSpPr>
+          <p:grpSpPr>
+            <a:xfrm>
+              <a:off x="3607477" y="5388773"/>
+              <a:ext cx="4458272" cy="848751"/>
+              <a:chOff x="3607480" y="5604432"/>
+              <a:chExt cx="4458272" cy="848751"/>
+            </a:xfrm>
+          </p:grpSpPr>
+          <p:grpSp>
+            <p:nvGrpSpPr>
+              <p:cNvPr id="60" name="组合 59"/>
+              <p:cNvGrpSpPr/>
+              <p:nvPr/>
+            </p:nvGrpSpPr>
+            <p:grpSpPr>
+              <a:xfrm>
+                <a:off x="4334006" y="5604432"/>
+                <a:ext cx="2943886" cy="387086"/>
+                <a:chOff x="4952502" y="5673471"/>
+                <a:chExt cx="2943886" cy="387086"/>
+              </a:xfrm>
+            </p:grpSpPr>
+            <p:pic>
+              <p:nvPicPr>
+                <p:cNvPr id="57" name="图片 56"/>
+                <p:cNvPicPr>
+                  <a:picLocks noChangeAspect="1"/>
+                </p:cNvPicPr>
+                <p:nvPr/>
+              </p:nvPicPr>
+              <p:blipFill>
+                <a:blip r:embed="rId2"/>
+                <a:stretch>
+                  <a:fillRect/>
+                </a:stretch>
+              </p:blipFill>
+              <p:spPr>
+                <a:xfrm>
+                  <a:off x="4952502" y="5673471"/>
+                  <a:ext cx="1333333" cy="380952"/>
+                </a:xfrm>
+                <a:prstGeom prst="rect">
+                  <a:avLst/>
+                </a:prstGeom>
+                <a:ln>
+                  <a:noFill/>
+                </a:ln>
+              </p:spPr>
+            </p:pic>
+            <p:pic>
+              <p:nvPicPr>
+                <p:cNvPr id="58" name="图片 57"/>
+                <p:cNvPicPr>
+                  <a:picLocks noChangeAspect="1"/>
+                </p:cNvPicPr>
+                <p:nvPr/>
+              </p:nvPicPr>
+              <p:blipFill>
+                <a:blip r:embed="rId3"/>
+                <a:stretch>
+                  <a:fillRect/>
+                </a:stretch>
+              </p:blipFill>
+              <p:spPr>
+                <a:xfrm>
+                  <a:off x="6624389" y="5678957"/>
+                  <a:ext cx="1271999" cy="381600"/>
+                </a:xfrm>
+                <a:prstGeom prst="rect">
+                  <a:avLst/>
+                </a:prstGeom>
+                <a:ln>
+                  <a:noFill/>
+                </a:ln>
+              </p:spPr>
+            </p:pic>
+            <p:sp>
+              <p:nvSpPr>
+                <p:cNvPr id="59" name="文本框 58"/>
+                <p:cNvSpPr txBox="1"/>
+                <p:nvPr/>
+              </p:nvSpPr>
+              <p:spPr>
+                <a:xfrm>
+                  <a:off x="6285835" y="5685091"/>
+                  <a:ext cx="338554" cy="369332"/>
+                </a:xfrm>
+                <a:prstGeom prst="rect">
+                  <a:avLst/>
+                </a:prstGeom>
+                <a:noFill/>
+                <a:ln>
+                  <a:noFill/>
+                </a:ln>
+              </p:spPr>
+              <p:txBody>
+                <a:bodyPr wrap="none" rtlCol="0">
+                  <a:spAutoFit/>
+                </a:bodyPr>
+                <a:lstStyle/>
+                <a:p>
+                  <a:r>
+                    <a:rPr lang="en-US" altLang="zh-CN" dirty="0" smtClean="0"/>
+                    <a:t>+</a:t>
+                  </a:r>
+                  <a:endParaRPr lang="zh-CN" altLang="en-US" dirty="0"/>
+                </a:p>
+              </p:txBody>
+            </p:sp>
+          </p:grpSp>
+          <p:sp>
+            <p:nvSpPr>
+              <p:cNvPr id="101" name="文本框 100"/>
+              <p:cNvSpPr txBox="1"/>
+              <p:nvPr/>
+            </p:nvSpPr>
+            <p:spPr>
+              <a:xfrm>
+                <a:off x="3607480" y="5991518"/>
+                <a:ext cx="4458272" cy="461665"/>
+              </a:xfrm>
+              <a:prstGeom prst="rect">
+                <a:avLst/>
+              </a:prstGeom>
+              <a:noFill/>
+            </p:spPr>
+            <p:txBody>
+              <a:bodyPr wrap="none" rtlCol="0">
+                <a:spAutoFit/>
+              </a:bodyPr>
+              <a:lstStyle/>
+              <a:p>
+                <a:r>
+                  <a:rPr lang="zh-CN" altLang="en-US" sz="1200" dirty="0" smtClean="0">
+                    <a:solidFill>
+                      <a:schemeClr val="tx1">
+                        <a:lumMod val="50000"/>
+                        <a:lumOff val="50000"/>
+                      </a:schemeClr>
+                    </a:solidFill>
+                  </a:rPr>
+                  <a:t>由于</a:t>
+                </a:r>
+                <a:r>
+                  <a:rPr lang="zh-CN" altLang="en-US" sz="1200" dirty="0">
+                    <a:solidFill>
+                      <a:schemeClr val="tx1">
+                        <a:lumMod val="50000"/>
+                        <a:lumOff val="50000"/>
+                      </a:schemeClr>
+                    </a:solidFill>
+                  </a:rPr>
+                  <a:t>一个项目中无法针对不同后缀的文件使用不同的 </a:t>
+                </a:r>
+                <a:r>
+                  <a:rPr lang="en-US" altLang="zh-CN" sz="1200" dirty="0" err="1">
+                    <a:solidFill>
+                      <a:schemeClr val="tx1">
+                        <a:lumMod val="50000"/>
+                        <a:lumOff val="50000"/>
+                      </a:schemeClr>
+                    </a:solidFill>
+                  </a:rPr>
+                  <a:t>eslint</a:t>
+                </a:r>
+                <a:r>
+                  <a:rPr lang="en-US" altLang="zh-CN" sz="1200" dirty="0">
+                    <a:solidFill>
+                      <a:schemeClr val="tx1">
+                        <a:lumMod val="50000"/>
+                        <a:lumOff val="50000"/>
+                      </a:schemeClr>
+                    </a:solidFill>
+                  </a:rPr>
+                  <a:t> </a:t>
+                </a:r>
+                <a:r>
+                  <a:rPr lang="zh-CN" altLang="en-US" sz="1200" dirty="0">
+                    <a:solidFill>
+                      <a:schemeClr val="tx1">
+                        <a:lumMod val="50000"/>
+                        <a:lumOff val="50000"/>
+                      </a:schemeClr>
+                    </a:solidFill>
+                  </a:rPr>
+                  <a:t>配置</a:t>
+                </a:r>
+              </a:p>
+              <a:p>
+                <a:r>
+                  <a:rPr lang="zh-CN" altLang="en-US" sz="1200" dirty="0" smtClean="0">
+                    <a:solidFill>
+                      <a:schemeClr val="tx1">
+                        <a:lumMod val="50000"/>
+                        <a:lumOff val="50000"/>
+                      </a:schemeClr>
+                    </a:solidFill>
+                  </a:rPr>
+                  <a:t>故 </a:t>
+                </a:r>
+                <a:r>
+                  <a:rPr lang="en-US" altLang="zh-CN" sz="1200" dirty="0" err="1">
+                    <a:solidFill>
+                      <a:schemeClr val="tx1">
+                        <a:lumMod val="50000"/>
+                        <a:lumOff val="50000"/>
+                      </a:schemeClr>
+                    </a:solidFill>
+                  </a:rPr>
+                  <a:t>ts</a:t>
+                </a:r>
+                <a:r>
+                  <a:rPr lang="en-US" altLang="zh-CN" sz="1200" dirty="0">
+                    <a:solidFill>
+                      <a:schemeClr val="tx1">
+                        <a:lumMod val="50000"/>
+                        <a:lumOff val="50000"/>
+                      </a:schemeClr>
+                    </a:solidFill>
+                  </a:rPr>
+                  <a:t> </a:t>
+                </a:r>
+                <a:r>
+                  <a:rPr lang="zh-CN" altLang="en-US" sz="1200" dirty="0">
+                    <a:solidFill>
+                      <a:schemeClr val="tx1">
+                        <a:lumMod val="50000"/>
+                        <a:lumOff val="50000"/>
+                      </a:schemeClr>
+                    </a:solidFill>
+                  </a:rPr>
+                  <a:t>文件只能使用 </a:t>
+                </a:r>
+                <a:r>
+                  <a:rPr lang="en-US" altLang="zh-CN" sz="1200" dirty="0" err="1">
+                    <a:solidFill>
+                      <a:schemeClr val="tx1">
+                        <a:lumMod val="50000"/>
+                        <a:lumOff val="50000"/>
+                      </a:schemeClr>
+                    </a:solidFill>
+                  </a:rPr>
+                  <a:t>tslint</a:t>
+                </a:r>
+                <a:r>
+                  <a:rPr lang="en-US" altLang="zh-CN" sz="1200" dirty="0">
+                    <a:solidFill>
+                      <a:schemeClr val="tx1">
+                        <a:lumMod val="50000"/>
+                        <a:lumOff val="50000"/>
+                      </a:schemeClr>
+                    </a:solidFill>
+                  </a:rPr>
+                  <a:t> </a:t>
+                </a:r>
+                <a:r>
+                  <a:rPr lang="zh-CN" altLang="en-US" sz="1200" dirty="0">
+                    <a:solidFill>
+                      <a:schemeClr val="tx1">
+                        <a:lumMod val="50000"/>
+                        <a:lumOff val="50000"/>
+                      </a:schemeClr>
+                    </a:solidFill>
+                  </a:rPr>
+                  <a:t>检查</a:t>
+                </a:r>
+                <a:r>
+                  <a:rPr lang="zh-CN" altLang="en-US" sz="1200" dirty="0" smtClean="0">
+                    <a:solidFill>
+                      <a:schemeClr val="tx1">
+                        <a:lumMod val="50000"/>
+                        <a:lumOff val="50000"/>
+                      </a:schemeClr>
+                    </a:solidFill>
+                  </a:rPr>
+                  <a:t>，</a:t>
+                </a:r>
+                <a:r>
+                  <a:rPr lang="en-US" altLang="zh-CN" sz="1200" dirty="0" err="1" smtClean="0">
+                    <a:solidFill>
+                      <a:schemeClr val="tx1">
+                        <a:lumMod val="50000"/>
+                        <a:lumOff val="50000"/>
+                      </a:schemeClr>
+                    </a:solidFill>
+                  </a:rPr>
+                  <a:t>js</a:t>
+                </a:r>
+                <a:r>
+                  <a:rPr lang="en-US" altLang="zh-CN" sz="1200" dirty="0" smtClean="0">
+                    <a:solidFill>
+                      <a:schemeClr val="tx1">
+                        <a:lumMod val="50000"/>
+                        <a:lumOff val="50000"/>
+                      </a:schemeClr>
+                    </a:solidFill>
+                  </a:rPr>
+                  <a:t> </a:t>
+                </a:r>
+                <a:r>
+                  <a:rPr lang="zh-CN" altLang="en-US" sz="1200" dirty="0">
+                    <a:solidFill>
+                      <a:schemeClr val="tx1">
+                        <a:lumMod val="50000"/>
+                        <a:lumOff val="50000"/>
+                      </a:schemeClr>
+                    </a:solidFill>
+                  </a:rPr>
+                  <a:t>文件保持使用 </a:t>
+                </a:r>
+                <a:r>
+                  <a:rPr lang="en-US" altLang="zh-CN" sz="1200" dirty="0" err="1">
+                    <a:solidFill>
+                      <a:schemeClr val="tx1">
+                        <a:lumMod val="50000"/>
+                        <a:lumOff val="50000"/>
+                      </a:schemeClr>
+                    </a:solidFill>
+                  </a:rPr>
+                  <a:t>eslint</a:t>
+                </a:r>
+                <a:r>
+                  <a:rPr lang="en-US" altLang="zh-CN" sz="1200" dirty="0">
+                    <a:solidFill>
+                      <a:schemeClr val="tx1">
+                        <a:lumMod val="50000"/>
+                        <a:lumOff val="50000"/>
+                      </a:schemeClr>
+                    </a:solidFill>
+                  </a:rPr>
+                  <a:t> </a:t>
+                </a:r>
+                <a:r>
+                  <a:rPr lang="zh-CN" altLang="en-US" sz="1200" dirty="0" smtClean="0">
+                    <a:solidFill>
+                      <a:schemeClr val="tx1">
+                        <a:lumMod val="50000"/>
+                        <a:lumOff val="50000"/>
+                      </a:schemeClr>
+                    </a:solidFill>
+                  </a:rPr>
+                  <a:t>检查</a:t>
+                </a:r>
+                <a:endParaRPr lang="zh-CN" altLang="en-US" sz="1200" dirty="0">
+                  <a:solidFill>
+                    <a:schemeClr val="tx1">
+                      <a:lumMod val="50000"/>
+                      <a:lumOff val="50000"/>
+                    </a:schemeClr>
+                  </a:solidFill>
+                </a:endParaRPr>
+              </a:p>
+            </p:txBody>
+          </p:sp>
+        </p:grpSp>
+        <p:cxnSp>
+          <p:nvCxnSpPr>
+            <p:cNvPr id="122" name="直接箭头连接符 121"/>
+            <p:cNvCxnSpPr>
+              <a:stCxn id="12" idx="2"/>
+              <a:endCxn id="59" idx="0"/>
+            </p:cNvCxnSpPr>
+            <p:nvPr/>
+          </p:nvCxnSpPr>
+          <p:spPr>
+            <a:xfrm flipH="1">
+              <a:off x="5836613" y="5020164"/>
+              <a:ext cx="1" cy="380229"/>
+            </a:xfrm>
+            <a:prstGeom prst="straightConnector1">
+              <a:avLst/>
+            </a:prstGeom>
+            <a:ln>
+              <a:solidFill>
+                <a:schemeClr val="tx1"/>
+              </a:solidFill>
+              <a:tailEnd type="triangle"/>
+            </a:ln>
+          </p:spPr>
+          <p:style>
+            <a:lnRef idx="1">
+              <a:schemeClr val="accent1"/>
+            </a:lnRef>
+            <a:fillRef idx="0">
+              <a:schemeClr val="accent1"/>
+            </a:fillRef>
+            <a:effectRef idx="0">
+              <a:schemeClr val="accent1"/>
+            </a:effectRef>
+            <a:fontRef idx="minor">
+              <a:schemeClr val="tx1"/>
+            </a:fontRef>
+          </p:style>
+        </p:cxnSp>
+      </p:grpSp>
+    </p:spTree>
+    <p:extLst>
+      <p:ext uri="{BB962C8B-B14F-4D97-AF65-F5344CB8AC3E}">
+        <p14:creationId xmlns:p14="http://schemas.microsoft.com/office/powerpoint/2010/main" val="502405436"/>
+      </p:ext>
+    </p:extLst>
+  </p:cSld>
+  <p:clrMapOvr>
+    <a:masterClrMapping/>
+  </p:clrMapOvr>
+</p:sld>
+</file>
+
 <file path=ppt/theme/theme1.xml><?xml version="1.0" encoding="utf-8"?>
 <a:theme xmlns:a="http://schemas.openxmlformats.org/drawingml/2006/main" name="Office 主题​​">
   <a:themeElements>
